--- a/ppt 16-9/0907.青春和昨天来不.pptx
+++ b/ppt 16-9/0907.青春和昨天来不.pptx
@@ -5,7 +5,7 @@
     <p:sldMasterId id="2147483648" r:id="rId1"/>
   </p:sldMasterIdLst>
   <p:sldIdLst>
-    <p:sldId id="264" r:id="rId2"/>
+    <p:sldId id="265" r:id="rId2"/>
   </p:sldIdLst>
   <p:sldSz cx="12192000" cy="6858000"/>
   <p:notesSz cx="6858000" cy="9144000"/>
@@ -129,7 +129,7 @@
           <p:cNvPr id="2" name="标题 1">
             <a:extLst>
               <a:ext uri="{FF2B5EF4-FFF2-40B4-BE49-F238E27FC236}">
-                <a16:creationId xmlns:a16="http://schemas.microsoft.com/office/drawing/2014/main" id="{FB898685-E480-5430-0B9C-3D85F3AD9A38}"/>
+                <a16:creationId xmlns:a16="http://schemas.microsoft.com/office/drawing/2014/main" id="{7438B170-CBE8-8306-931C-26E0065AE606}"/>
               </a:ext>
             </a:extLst>
           </p:cNvPr>
@@ -166,7 +166,7 @@
           <p:cNvPr id="3" name="副标题 2">
             <a:extLst>
               <a:ext uri="{FF2B5EF4-FFF2-40B4-BE49-F238E27FC236}">
-                <a16:creationId xmlns:a16="http://schemas.microsoft.com/office/drawing/2014/main" id="{EABDA96D-C083-289B-540C-D47C5DC28C56}"/>
+                <a16:creationId xmlns:a16="http://schemas.microsoft.com/office/drawing/2014/main" id="{450166EA-593D-2173-A7F6-D15B25701BD7}"/>
               </a:ext>
             </a:extLst>
           </p:cNvPr>
@@ -236,7 +236,7 @@
           <p:cNvPr id="4" name="日期占位符 3">
             <a:extLst>
               <a:ext uri="{FF2B5EF4-FFF2-40B4-BE49-F238E27FC236}">
-                <a16:creationId xmlns:a16="http://schemas.microsoft.com/office/drawing/2014/main" id="{F8C97EA1-17A4-5C12-1DD6-E33941CD4E0F}"/>
+                <a16:creationId xmlns:a16="http://schemas.microsoft.com/office/drawing/2014/main" id="{A4550912-2014-AADD-2ADF-7B3BE57894DF}"/>
               </a:ext>
             </a:extLst>
           </p:cNvPr>
@@ -252,7 +252,7 @@
           <a:bodyPr/>
           <a:lstStyle/>
           <a:p>
-            <a:fld id="{BD93932F-96FA-4CB9-82AF-343C25C9CF03}" type="datetimeFigureOut">
+            <a:fld id="{82DFDF67-8FDC-4417-A17E-C74C9D24A58E}" type="datetimeFigureOut">
               <a:rPr lang="zh-CN" altLang="en-US" smtClean="0"/>
               <a:t>2024/3/10</a:t>
             </a:fld>
@@ -265,7 +265,7 @@
           <p:cNvPr id="5" name="页脚占位符 4">
             <a:extLst>
               <a:ext uri="{FF2B5EF4-FFF2-40B4-BE49-F238E27FC236}">
-                <a16:creationId xmlns:a16="http://schemas.microsoft.com/office/drawing/2014/main" id="{2DBFA9FB-D710-DFB6-837B-795BEC11566F}"/>
+                <a16:creationId xmlns:a16="http://schemas.microsoft.com/office/drawing/2014/main" id="{1F33639E-E101-AEA1-3B51-FC8ACEA36471}"/>
               </a:ext>
             </a:extLst>
           </p:cNvPr>
@@ -290,7 +290,7 @@
           <p:cNvPr id="6" name="灯片编号占位符 5">
             <a:extLst>
               <a:ext uri="{FF2B5EF4-FFF2-40B4-BE49-F238E27FC236}">
-                <a16:creationId xmlns:a16="http://schemas.microsoft.com/office/drawing/2014/main" id="{84CA2A45-442B-D6DD-9335-A831F4DB0ECD}"/>
+                <a16:creationId xmlns:a16="http://schemas.microsoft.com/office/drawing/2014/main" id="{8123143C-3991-23E2-F2D7-A6D2943C93FA}"/>
               </a:ext>
             </a:extLst>
           </p:cNvPr>
@@ -306,7 +306,7 @@
           <a:bodyPr/>
           <a:lstStyle/>
           <a:p>
-            <a:fld id="{DDF7034E-704A-4548-9E9F-4F3534E9135E}" type="slidenum">
+            <a:fld id="{16FCBF6A-BC73-468B-96DA-64FB6426C51F}" type="slidenum">
               <a:rPr lang="zh-CN" altLang="en-US" smtClean="0"/>
               <a:t>‹#›</a:t>
             </a:fld>
@@ -317,7 +317,7 @@
     </p:spTree>
     <p:extLst>
       <p:ext uri="{BB962C8B-B14F-4D97-AF65-F5344CB8AC3E}">
-        <p14:creationId xmlns:p14="http://schemas.microsoft.com/office/powerpoint/2010/main" val="2837578004"/>
+        <p14:creationId xmlns:p14="http://schemas.microsoft.com/office/powerpoint/2010/main" val="2993892612"/>
       </p:ext>
     </p:extLst>
   </p:cSld>
@@ -349,7 +349,7 @@
           <p:cNvPr id="2" name="标题 1">
             <a:extLst>
               <a:ext uri="{FF2B5EF4-FFF2-40B4-BE49-F238E27FC236}">
-                <a16:creationId xmlns:a16="http://schemas.microsoft.com/office/drawing/2014/main" id="{6634C052-5463-3AA6-713A-3006948D2C11}"/>
+                <a16:creationId xmlns:a16="http://schemas.microsoft.com/office/drawing/2014/main" id="{4155A077-4819-AB2E-668B-09E4825718A8}"/>
               </a:ext>
             </a:extLst>
           </p:cNvPr>
@@ -377,7 +377,7 @@
           <p:cNvPr id="3" name="竖排文字占位符 2">
             <a:extLst>
               <a:ext uri="{FF2B5EF4-FFF2-40B4-BE49-F238E27FC236}">
-                <a16:creationId xmlns:a16="http://schemas.microsoft.com/office/drawing/2014/main" id="{DB6D7E40-CDAF-AB32-FC98-DBB419A498D6}"/>
+                <a16:creationId xmlns:a16="http://schemas.microsoft.com/office/drawing/2014/main" id="{976CBCEB-692F-36A6-CE53-296B21CA3DF1}"/>
               </a:ext>
             </a:extLst>
           </p:cNvPr>
@@ -434,7 +434,7 @@
           <p:cNvPr id="4" name="日期占位符 3">
             <a:extLst>
               <a:ext uri="{FF2B5EF4-FFF2-40B4-BE49-F238E27FC236}">
-                <a16:creationId xmlns:a16="http://schemas.microsoft.com/office/drawing/2014/main" id="{7D9E2ED6-5096-7CC6-292A-1968E30348F2}"/>
+                <a16:creationId xmlns:a16="http://schemas.microsoft.com/office/drawing/2014/main" id="{829D86E7-DD56-7F19-7E65-1B1532DE7BEE}"/>
               </a:ext>
             </a:extLst>
           </p:cNvPr>
@@ -450,7 +450,7 @@
           <a:bodyPr/>
           <a:lstStyle/>
           <a:p>
-            <a:fld id="{BD93932F-96FA-4CB9-82AF-343C25C9CF03}" type="datetimeFigureOut">
+            <a:fld id="{82DFDF67-8FDC-4417-A17E-C74C9D24A58E}" type="datetimeFigureOut">
               <a:rPr lang="zh-CN" altLang="en-US" smtClean="0"/>
               <a:t>2024/3/10</a:t>
             </a:fld>
@@ -463,7 +463,7 @@
           <p:cNvPr id="5" name="页脚占位符 4">
             <a:extLst>
               <a:ext uri="{FF2B5EF4-FFF2-40B4-BE49-F238E27FC236}">
-                <a16:creationId xmlns:a16="http://schemas.microsoft.com/office/drawing/2014/main" id="{58026EBE-9B44-85E7-E074-2051CD7C9B58}"/>
+                <a16:creationId xmlns:a16="http://schemas.microsoft.com/office/drawing/2014/main" id="{BD72DA91-1185-5D6D-3239-F1901779198D}"/>
               </a:ext>
             </a:extLst>
           </p:cNvPr>
@@ -488,7 +488,7 @@
           <p:cNvPr id="6" name="灯片编号占位符 5">
             <a:extLst>
               <a:ext uri="{FF2B5EF4-FFF2-40B4-BE49-F238E27FC236}">
-                <a16:creationId xmlns:a16="http://schemas.microsoft.com/office/drawing/2014/main" id="{93333063-9216-887E-752D-B33F6398462C}"/>
+                <a16:creationId xmlns:a16="http://schemas.microsoft.com/office/drawing/2014/main" id="{94FA0BD6-4E14-131F-CAC2-604F0C8C6294}"/>
               </a:ext>
             </a:extLst>
           </p:cNvPr>
@@ -504,7 +504,7 @@
           <a:bodyPr/>
           <a:lstStyle/>
           <a:p>
-            <a:fld id="{DDF7034E-704A-4548-9E9F-4F3534E9135E}" type="slidenum">
+            <a:fld id="{16FCBF6A-BC73-468B-96DA-64FB6426C51F}" type="slidenum">
               <a:rPr lang="zh-CN" altLang="en-US" smtClean="0"/>
               <a:t>‹#›</a:t>
             </a:fld>
@@ -515,7 +515,7 @@
     </p:spTree>
     <p:extLst>
       <p:ext uri="{BB962C8B-B14F-4D97-AF65-F5344CB8AC3E}">
-        <p14:creationId xmlns:p14="http://schemas.microsoft.com/office/powerpoint/2010/main" val="2000764261"/>
+        <p14:creationId xmlns:p14="http://schemas.microsoft.com/office/powerpoint/2010/main" val="2140559461"/>
       </p:ext>
     </p:extLst>
   </p:cSld>
@@ -547,7 +547,7 @@
           <p:cNvPr id="2" name="竖排标题 1">
             <a:extLst>
               <a:ext uri="{FF2B5EF4-FFF2-40B4-BE49-F238E27FC236}">
-                <a16:creationId xmlns:a16="http://schemas.microsoft.com/office/drawing/2014/main" id="{7F2F76CB-1346-E333-21E2-37BBA188C258}"/>
+                <a16:creationId xmlns:a16="http://schemas.microsoft.com/office/drawing/2014/main" id="{6A2F32B7-5B37-60E3-677A-6534B835DCFC}"/>
               </a:ext>
             </a:extLst>
           </p:cNvPr>
@@ -580,7 +580,7 @@
           <p:cNvPr id="3" name="竖排文字占位符 2">
             <a:extLst>
               <a:ext uri="{FF2B5EF4-FFF2-40B4-BE49-F238E27FC236}">
-                <a16:creationId xmlns:a16="http://schemas.microsoft.com/office/drawing/2014/main" id="{004C0AE0-C95B-6785-BD83-24BA791E863A}"/>
+                <a16:creationId xmlns:a16="http://schemas.microsoft.com/office/drawing/2014/main" id="{B3E84498-81F2-5791-65ED-6CE9C6D3B6D2}"/>
               </a:ext>
             </a:extLst>
           </p:cNvPr>
@@ -642,7 +642,7 @@
           <p:cNvPr id="4" name="日期占位符 3">
             <a:extLst>
               <a:ext uri="{FF2B5EF4-FFF2-40B4-BE49-F238E27FC236}">
-                <a16:creationId xmlns:a16="http://schemas.microsoft.com/office/drawing/2014/main" id="{B34CF5DD-B3B6-9828-DF77-6B100BA4940C}"/>
+                <a16:creationId xmlns:a16="http://schemas.microsoft.com/office/drawing/2014/main" id="{7A28843F-7122-01F4-636C-CED3713E2429}"/>
               </a:ext>
             </a:extLst>
           </p:cNvPr>
@@ -658,7 +658,7 @@
           <a:bodyPr/>
           <a:lstStyle/>
           <a:p>
-            <a:fld id="{BD93932F-96FA-4CB9-82AF-343C25C9CF03}" type="datetimeFigureOut">
+            <a:fld id="{82DFDF67-8FDC-4417-A17E-C74C9D24A58E}" type="datetimeFigureOut">
               <a:rPr lang="zh-CN" altLang="en-US" smtClean="0"/>
               <a:t>2024/3/10</a:t>
             </a:fld>
@@ -671,7 +671,7 @@
           <p:cNvPr id="5" name="页脚占位符 4">
             <a:extLst>
               <a:ext uri="{FF2B5EF4-FFF2-40B4-BE49-F238E27FC236}">
-                <a16:creationId xmlns:a16="http://schemas.microsoft.com/office/drawing/2014/main" id="{1193971C-65D5-D9E9-591C-47A64EF335C8}"/>
+                <a16:creationId xmlns:a16="http://schemas.microsoft.com/office/drawing/2014/main" id="{A94C07C6-123B-804C-5DA6-2F95616975B9}"/>
               </a:ext>
             </a:extLst>
           </p:cNvPr>
@@ -696,7 +696,7 @@
           <p:cNvPr id="6" name="灯片编号占位符 5">
             <a:extLst>
               <a:ext uri="{FF2B5EF4-FFF2-40B4-BE49-F238E27FC236}">
-                <a16:creationId xmlns:a16="http://schemas.microsoft.com/office/drawing/2014/main" id="{7A151A29-C483-02B8-BE38-1F6F5FA7A169}"/>
+                <a16:creationId xmlns:a16="http://schemas.microsoft.com/office/drawing/2014/main" id="{D42BC77D-722B-412D-6E1A-3C0EFDFB7D98}"/>
               </a:ext>
             </a:extLst>
           </p:cNvPr>
@@ -712,7 +712,7 @@
           <a:bodyPr/>
           <a:lstStyle/>
           <a:p>
-            <a:fld id="{DDF7034E-704A-4548-9E9F-4F3534E9135E}" type="slidenum">
+            <a:fld id="{16FCBF6A-BC73-468B-96DA-64FB6426C51F}" type="slidenum">
               <a:rPr lang="zh-CN" altLang="en-US" smtClean="0"/>
               <a:t>‹#›</a:t>
             </a:fld>
@@ -723,7 +723,7 @@
     </p:spTree>
     <p:extLst>
       <p:ext uri="{BB962C8B-B14F-4D97-AF65-F5344CB8AC3E}">
-        <p14:creationId xmlns:p14="http://schemas.microsoft.com/office/powerpoint/2010/main" val="2749342000"/>
+        <p14:creationId xmlns:p14="http://schemas.microsoft.com/office/powerpoint/2010/main" val="2139011709"/>
       </p:ext>
     </p:extLst>
   </p:cSld>
@@ -755,7 +755,7 @@
           <p:cNvPr id="2" name="标题 1">
             <a:extLst>
               <a:ext uri="{FF2B5EF4-FFF2-40B4-BE49-F238E27FC236}">
-                <a16:creationId xmlns:a16="http://schemas.microsoft.com/office/drawing/2014/main" id="{8FEBAE3A-9885-8A09-DE51-550AEA1ECB13}"/>
+                <a16:creationId xmlns:a16="http://schemas.microsoft.com/office/drawing/2014/main" id="{235CA23C-E0E5-D7C5-BEE1-7F6D9261D748}"/>
               </a:ext>
             </a:extLst>
           </p:cNvPr>
@@ -783,7 +783,7 @@
           <p:cNvPr id="3" name="内容占位符 2">
             <a:extLst>
               <a:ext uri="{FF2B5EF4-FFF2-40B4-BE49-F238E27FC236}">
-                <a16:creationId xmlns:a16="http://schemas.microsoft.com/office/drawing/2014/main" id="{692644F5-A858-1194-F8C2-F152E53DE353}"/>
+                <a16:creationId xmlns:a16="http://schemas.microsoft.com/office/drawing/2014/main" id="{FA0D43BE-44A9-BA96-4E6A-90B08C528538}"/>
               </a:ext>
             </a:extLst>
           </p:cNvPr>
@@ -840,7 +840,7 @@
           <p:cNvPr id="4" name="日期占位符 3">
             <a:extLst>
               <a:ext uri="{FF2B5EF4-FFF2-40B4-BE49-F238E27FC236}">
-                <a16:creationId xmlns:a16="http://schemas.microsoft.com/office/drawing/2014/main" id="{2E07214C-455A-E76B-C2CE-2ED4662E3567}"/>
+                <a16:creationId xmlns:a16="http://schemas.microsoft.com/office/drawing/2014/main" id="{58A3548D-2C44-4834-5E0F-538DBAE1905D}"/>
               </a:ext>
             </a:extLst>
           </p:cNvPr>
@@ -856,7 +856,7 @@
           <a:bodyPr/>
           <a:lstStyle/>
           <a:p>
-            <a:fld id="{BD93932F-96FA-4CB9-82AF-343C25C9CF03}" type="datetimeFigureOut">
+            <a:fld id="{82DFDF67-8FDC-4417-A17E-C74C9D24A58E}" type="datetimeFigureOut">
               <a:rPr lang="zh-CN" altLang="en-US" smtClean="0"/>
               <a:t>2024/3/10</a:t>
             </a:fld>
@@ -869,7 +869,7 @@
           <p:cNvPr id="5" name="页脚占位符 4">
             <a:extLst>
               <a:ext uri="{FF2B5EF4-FFF2-40B4-BE49-F238E27FC236}">
-                <a16:creationId xmlns:a16="http://schemas.microsoft.com/office/drawing/2014/main" id="{CBA602AE-601B-8425-6FD1-CCE9E1D5EF1B}"/>
+                <a16:creationId xmlns:a16="http://schemas.microsoft.com/office/drawing/2014/main" id="{FE8A492D-EDB0-4ABF-AE7F-11BD0A0962FC}"/>
               </a:ext>
             </a:extLst>
           </p:cNvPr>
@@ -894,7 +894,7 @@
           <p:cNvPr id="6" name="灯片编号占位符 5">
             <a:extLst>
               <a:ext uri="{FF2B5EF4-FFF2-40B4-BE49-F238E27FC236}">
-                <a16:creationId xmlns:a16="http://schemas.microsoft.com/office/drawing/2014/main" id="{68C48AC0-5F1D-734A-AB0E-19EEC3B32A37}"/>
+                <a16:creationId xmlns:a16="http://schemas.microsoft.com/office/drawing/2014/main" id="{4EC994AC-C3A3-D802-DF50-7A0D1B40BF0A}"/>
               </a:ext>
             </a:extLst>
           </p:cNvPr>
@@ -910,7 +910,7 @@
           <a:bodyPr/>
           <a:lstStyle/>
           <a:p>
-            <a:fld id="{DDF7034E-704A-4548-9E9F-4F3534E9135E}" type="slidenum">
+            <a:fld id="{16FCBF6A-BC73-468B-96DA-64FB6426C51F}" type="slidenum">
               <a:rPr lang="zh-CN" altLang="en-US" smtClean="0"/>
               <a:t>‹#›</a:t>
             </a:fld>
@@ -921,7 +921,7 @@
     </p:spTree>
     <p:extLst>
       <p:ext uri="{BB962C8B-B14F-4D97-AF65-F5344CB8AC3E}">
-        <p14:creationId xmlns:p14="http://schemas.microsoft.com/office/powerpoint/2010/main" val="1535715206"/>
+        <p14:creationId xmlns:p14="http://schemas.microsoft.com/office/powerpoint/2010/main" val="701008970"/>
       </p:ext>
     </p:extLst>
   </p:cSld>
@@ -953,7 +953,7 @@
           <p:cNvPr id="2" name="标题 1">
             <a:extLst>
               <a:ext uri="{FF2B5EF4-FFF2-40B4-BE49-F238E27FC236}">
-                <a16:creationId xmlns:a16="http://schemas.microsoft.com/office/drawing/2014/main" id="{E5779420-1140-F1DF-CED6-19EB9419C02C}"/>
+                <a16:creationId xmlns:a16="http://schemas.microsoft.com/office/drawing/2014/main" id="{C9BE3240-A664-D0F1-DC97-DFF19B01564F}"/>
               </a:ext>
             </a:extLst>
           </p:cNvPr>
@@ -990,7 +990,7 @@
           <p:cNvPr id="3" name="文本占位符 2">
             <a:extLst>
               <a:ext uri="{FF2B5EF4-FFF2-40B4-BE49-F238E27FC236}">
-                <a16:creationId xmlns:a16="http://schemas.microsoft.com/office/drawing/2014/main" id="{366AC24D-6FD9-B7BC-2FFA-C14CBD1B9E90}"/>
+                <a16:creationId xmlns:a16="http://schemas.microsoft.com/office/drawing/2014/main" id="{55B14023-48F0-4D0A-4CDC-91A38D50CC68}"/>
               </a:ext>
             </a:extLst>
           </p:cNvPr>
@@ -1115,7 +1115,7 @@
           <p:cNvPr id="4" name="日期占位符 3">
             <a:extLst>
               <a:ext uri="{FF2B5EF4-FFF2-40B4-BE49-F238E27FC236}">
-                <a16:creationId xmlns:a16="http://schemas.microsoft.com/office/drawing/2014/main" id="{C602B8A8-045C-ADE8-9D46-D57A810C16FF}"/>
+                <a16:creationId xmlns:a16="http://schemas.microsoft.com/office/drawing/2014/main" id="{1EDF2C01-ACF5-CF9A-BEFB-66B62CDFE15B}"/>
               </a:ext>
             </a:extLst>
           </p:cNvPr>
@@ -1131,7 +1131,7 @@
           <a:bodyPr/>
           <a:lstStyle/>
           <a:p>
-            <a:fld id="{BD93932F-96FA-4CB9-82AF-343C25C9CF03}" type="datetimeFigureOut">
+            <a:fld id="{82DFDF67-8FDC-4417-A17E-C74C9D24A58E}" type="datetimeFigureOut">
               <a:rPr lang="zh-CN" altLang="en-US" smtClean="0"/>
               <a:t>2024/3/10</a:t>
             </a:fld>
@@ -1144,7 +1144,7 @@
           <p:cNvPr id="5" name="页脚占位符 4">
             <a:extLst>
               <a:ext uri="{FF2B5EF4-FFF2-40B4-BE49-F238E27FC236}">
-                <a16:creationId xmlns:a16="http://schemas.microsoft.com/office/drawing/2014/main" id="{4BC018BB-B742-6ADF-F5BE-E96E3A5538EA}"/>
+                <a16:creationId xmlns:a16="http://schemas.microsoft.com/office/drawing/2014/main" id="{FBC28417-2DA9-0C9E-F43F-774B3B5CFC7F}"/>
               </a:ext>
             </a:extLst>
           </p:cNvPr>
@@ -1169,7 +1169,7 @@
           <p:cNvPr id="6" name="灯片编号占位符 5">
             <a:extLst>
               <a:ext uri="{FF2B5EF4-FFF2-40B4-BE49-F238E27FC236}">
-                <a16:creationId xmlns:a16="http://schemas.microsoft.com/office/drawing/2014/main" id="{C05CA7F6-2FAE-FD55-6ABC-CAAF77BFEF34}"/>
+                <a16:creationId xmlns:a16="http://schemas.microsoft.com/office/drawing/2014/main" id="{893D9AB5-550E-E79C-A1E8-0D49D41AD13A}"/>
               </a:ext>
             </a:extLst>
           </p:cNvPr>
@@ -1185,7 +1185,7 @@
           <a:bodyPr/>
           <a:lstStyle/>
           <a:p>
-            <a:fld id="{DDF7034E-704A-4548-9E9F-4F3534E9135E}" type="slidenum">
+            <a:fld id="{16FCBF6A-BC73-468B-96DA-64FB6426C51F}" type="slidenum">
               <a:rPr lang="zh-CN" altLang="en-US" smtClean="0"/>
               <a:t>‹#›</a:t>
             </a:fld>
@@ -1196,7 +1196,7 @@
     </p:spTree>
     <p:extLst>
       <p:ext uri="{BB962C8B-B14F-4D97-AF65-F5344CB8AC3E}">
-        <p14:creationId xmlns:p14="http://schemas.microsoft.com/office/powerpoint/2010/main" val="3340843140"/>
+        <p14:creationId xmlns:p14="http://schemas.microsoft.com/office/powerpoint/2010/main" val="4032773741"/>
       </p:ext>
     </p:extLst>
   </p:cSld>
@@ -1228,7 +1228,7 @@
           <p:cNvPr id="2" name="标题 1">
             <a:extLst>
               <a:ext uri="{FF2B5EF4-FFF2-40B4-BE49-F238E27FC236}">
-                <a16:creationId xmlns:a16="http://schemas.microsoft.com/office/drawing/2014/main" id="{39EDCBCA-3F84-65F0-119D-755E5D9105D4}"/>
+                <a16:creationId xmlns:a16="http://schemas.microsoft.com/office/drawing/2014/main" id="{2FBB0B4D-9F46-B9DA-7B52-C581AEB69FA3}"/>
               </a:ext>
             </a:extLst>
           </p:cNvPr>
@@ -1256,7 +1256,7 @@
           <p:cNvPr id="3" name="内容占位符 2">
             <a:extLst>
               <a:ext uri="{FF2B5EF4-FFF2-40B4-BE49-F238E27FC236}">
-                <a16:creationId xmlns:a16="http://schemas.microsoft.com/office/drawing/2014/main" id="{2D267D7F-BD58-6AEF-63B9-D517AE1FA5D9}"/>
+                <a16:creationId xmlns:a16="http://schemas.microsoft.com/office/drawing/2014/main" id="{601FEB38-12BF-C9D9-A78F-A996073406BE}"/>
               </a:ext>
             </a:extLst>
           </p:cNvPr>
@@ -1318,7 +1318,7 @@
           <p:cNvPr id="4" name="内容占位符 3">
             <a:extLst>
               <a:ext uri="{FF2B5EF4-FFF2-40B4-BE49-F238E27FC236}">
-                <a16:creationId xmlns:a16="http://schemas.microsoft.com/office/drawing/2014/main" id="{05204025-F638-6B48-754D-06E3D1BB9F0B}"/>
+                <a16:creationId xmlns:a16="http://schemas.microsoft.com/office/drawing/2014/main" id="{138B3B9E-5BB1-E2E8-A50C-45CBF78E615A}"/>
               </a:ext>
             </a:extLst>
           </p:cNvPr>
@@ -1380,7 +1380,7 @@
           <p:cNvPr id="5" name="日期占位符 4">
             <a:extLst>
               <a:ext uri="{FF2B5EF4-FFF2-40B4-BE49-F238E27FC236}">
-                <a16:creationId xmlns:a16="http://schemas.microsoft.com/office/drawing/2014/main" id="{D64D1B48-0A96-30EE-87B8-D84FF95FF482}"/>
+                <a16:creationId xmlns:a16="http://schemas.microsoft.com/office/drawing/2014/main" id="{C0337747-BA38-2B79-79A2-6B6FA51E981F}"/>
               </a:ext>
             </a:extLst>
           </p:cNvPr>
@@ -1396,7 +1396,7 @@
           <a:bodyPr/>
           <a:lstStyle/>
           <a:p>
-            <a:fld id="{BD93932F-96FA-4CB9-82AF-343C25C9CF03}" type="datetimeFigureOut">
+            <a:fld id="{82DFDF67-8FDC-4417-A17E-C74C9D24A58E}" type="datetimeFigureOut">
               <a:rPr lang="zh-CN" altLang="en-US" smtClean="0"/>
               <a:t>2024/3/10</a:t>
             </a:fld>
@@ -1409,7 +1409,7 @@
           <p:cNvPr id="6" name="页脚占位符 5">
             <a:extLst>
               <a:ext uri="{FF2B5EF4-FFF2-40B4-BE49-F238E27FC236}">
-                <a16:creationId xmlns:a16="http://schemas.microsoft.com/office/drawing/2014/main" id="{FD57B141-8356-1EDA-900C-34BD761173EE}"/>
+                <a16:creationId xmlns:a16="http://schemas.microsoft.com/office/drawing/2014/main" id="{D6DCDE3C-7693-CD73-1345-784A02D319A2}"/>
               </a:ext>
             </a:extLst>
           </p:cNvPr>
@@ -1434,7 +1434,7 @@
           <p:cNvPr id="7" name="灯片编号占位符 6">
             <a:extLst>
               <a:ext uri="{FF2B5EF4-FFF2-40B4-BE49-F238E27FC236}">
-                <a16:creationId xmlns:a16="http://schemas.microsoft.com/office/drawing/2014/main" id="{0C472997-6FBD-753C-FB22-56BFB2D98824}"/>
+                <a16:creationId xmlns:a16="http://schemas.microsoft.com/office/drawing/2014/main" id="{FFF7A1C9-68D7-2DE9-C17A-69D0E103BBA1}"/>
               </a:ext>
             </a:extLst>
           </p:cNvPr>
@@ -1450,7 +1450,7 @@
           <a:bodyPr/>
           <a:lstStyle/>
           <a:p>
-            <a:fld id="{DDF7034E-704A-4548-9E9F-4F3534E9135E}" type="slidenum">
+            <a:fld id="{16FCBF6A-BC73-468B-96DA-64FB6426C51F}" type="slidenum">
               <a:rPr lang="zh-CN" altLang="en-US" smtClean="0"/>
               <a:t>‹#›</a:t>
             </a:fld>
@@ -1461,7 +1461,7 @@
     </p:spTree>
     <p:extLst>
       <p:ext uri="{BB962C8B-B14F-4D97-AF65-F5344CB8AC3E}">
-        <p14:creationId xmlns:p14="http://schemas.microsoft.com/office/powerpoint/2010/main" val="3393040389"/>
+        <p14:creationId xmlns:p14="http://schemas.microsoft.com/office/powerpoint/2010/main" val="3488337427"/>
       </p:ext>
     </p:extLst>
   </p:cSld>
@@ -1493,7 +1493,7 @@
           <p:cNvPr id="2" name="标题 1">
             <a:extLst>
               <a:ext uri="{FF2B5EF4-FFF2-40B4-BE49-F238E27FC236}">
-                <a16:creationId xmlns:a16="http://schemas.microsoft.com/office/drawing/2014/main" id="{EE58806C-A98E-239A-7DED-C8AB4C293FCD}"/>
+                <a16:creationId xmlns:a16="http://schemas.microsoft.com/office/drawing/2014/main" id="{B6896F2C-B1AF-8FE6-5B26-9DABD14131A1}"/>
               </a:ext>
             </a:extLst>
           </p:cNvPr>
@@ -1526,7 +1526,7 @@
           <p:cNvPr id="3" name="文本占位符 2">
             <a:extLst>
               <a:ext uri="{FF2B5EF4-FFF2-40B4-BE49-F238E27FC236}">
-                <a16:creationId xmlns:a16="http://schemas.microsoft.com/office/drawing/2014/main" id="{AE42C299-4F02-F984-4FD7-6F8EFCF61C4E}"/>
+                <a16:creationId xmlns:a16="http://schemas.microsoft.com/office/drawing/2014/main" id="{691568C6-5B72-8C8E-3DB6-E1D34D5E04D0}"/>
               </a:ext>
             </a:extLst>
           </p:cNvPr>
@@ -1597,7 +1597,7 @@
           <p:cNvPr id="4" name="内容占位符 3">
             <a:extLst>
               <a:ext uri="{FF2B5EF4-FFF2-40B4-BE49-F238E27FC236}">
-                <a16:creationId xmlns:a16="http://schemas.microsoft.com/office/drawing/2014/main" id="{144CE48F-B6C0-6FFA-E1EB-326FD69F5B53}"/>
+                <a16:creationId xmlns:a16="http://schemas.microsoft.com/office/drawing/2014/main" id="{F74D3AEF-AD72-9A11-5AB7-229FAE329319}"/>
               </a:ext>
             </a:extLst>
           </p:cNvPr>
@@ -1659,7 +1659,7 @@
           <p:cNvPr id="5" name="文本占位符 4">
             <a:extLst>
               <a:ext uri="{FF2B5EF4-FFF2-40B4-BE49-F238E27FC236}">
-                <a16:creationId xmlns:a16="http://schemas.microsoft.com/office/drawing/2014/main" id="{299F8BE4-8405-99C9-BC56-66E0FE3E409D}"/>
+                <a16:creationId xmlns:a16="http://schemas.microsoft.com/office/drawing/2014/main" id="{2FCE5652-E508-FB5B-9C92-107B7727DF6C}"/>
               </a:ext>
             </a:extLst>
           </p:cNvPr>
@@ -1730,7 +1730,7 @@
           <p:cNvPr id="6" name="内容占位符 5">
             <a:extLst>
               <a:ext uri="{FF2B5EF4-FFF2-40B4-BE49-F238E27FC236}">
-                <a16:creationId xmlns:a16="http://schemas.microsoft.com/office/drawing/2014/main" id="{0563683E-AF1B-1A8F-5B77-EC6044E36F8C}"/>
+                <a16:creationId xmlns:a16="http://schemas.microsoft.com/office/drawing/2014/main" id="{EDE7514D-C4CA-65D6-4D9E-C2FE657DFBE8}"/>
               </a:ext>
             </a:extLst>
           </p:cNvPr>
@@ -1792,7 +1792,7 @@
           <p:cNvPr id="7" name="日期占位符 6">
             <a:extLst>
               <a:ext uri="{FF2B5EF4-FFF2-40B4-BE49-F238E27FC236}">
-                <a16:creationId xmlns:a16="http://schemas.microsoft.com/office/drawing/2014/main" id="{25EF1C97-1141-D4CE-5C5E-2207D562BAFC}"/>
+                <a16:creationId xmlns:a16="http://schemas.microsoft.com/office/drawing/2014/main" id="{3D024C74-C305-4CF8-A6FE-A7778ED3FBCC}"/>
               </a:ext>
             </a:extLst>
           </p:cNvPr>
@@ -1808,7 +1808,7 @@
           <a:bodyPr/>
           <a:lstStyle/>
           <a:p>
-            <a:fld id="{BD93932F-96FA-4CB9-82AF-343C25C9CF03}" type="datetimeFigureOut">
+            <a:fld id="{82DFDF67-8FDC-4417-A17E-C74C9D24A58E}" type="datetimeFigureOut">
               <a:rPr lang="zh-CN" altLang="en-US" smtClean="0"/>
               <a:t>2024/3/10</a:t>
             </a:fld>
@@ -1821,7 +1821,7 @@
           <p:cNvPr id="8" name="页脚占位符 7">
             <a:extLst>
               <a:ext uri="{FF2B5EF4-FFF2-40B4-BE49-F238E27FC236}">
-                <a16:creationId xmlns:a16="http://schemas.microsoft.com/office/drawing/2014/main" id="{FF634DF9-C472-1614-ED61-038919AC279B}"/>
+                <a16:creationId xmlns:a16="http://schemas.microsoft.com/office/drawing/2014/main" id="{F77FDE94-F073-D8CE-2D22-09C716D6E799}"/>
               </a:ext>
             </a:extLst>
           </p:cNvPr>
@@ -1846,7 +1846,7 @@
           <p:cNvPr id="9" name="灯片编号占位符 8">
             <a:extLst>
               <a:ext uri="{FF2B5EF4-FFF2-40B4-BE49-F238E27FC236}">
-                <a16:creationId xmlns:a16="http://schemas.microsoft.com/office/drawing/2014/main" id="{C6D2FBA4-9D4E-2F48-F81F-8145128EBA4C}"/>
+                <a16:creationId xmlns:a16="http://schemas.microsoft.com/office/drawing/2014/main" id="{5A50505F-30CA-4A54-7BD3-9B263B52DDC6}"/>
               </a:ext>
             </a:extLst>
           </p:cNvPr>
@@ -1862,7 +1862,7 @@
           <a:bodyPr/>
           <a:lstStyle/>
           <a:p>
-            <a:fld id="{DDF7034E-704A-4548-9E9F-4F3534E9135E}" type="slidenum">
+            <a:fld id="{16FCBF6A-BC73-468B-96DA-64FB6426C51F}" type="slidenum">
               <a:rPr lang="zh-CN" altLang="en-US" smtClean="0"/>
               <a:t>‹#›</a:t>
             </a:fld>
@@ -1873,7 +1873,7 @@
     </p:spTree>
     <p:extLst>
       <p:ext uri="{BB962C8B-B14F-4D97-AF65-F5344CB8AC3E}">
-        <p14:creationId xmlns:p14="http://schemas.microsoft.com/office/powerpoint/2010/main" val="2245920107"/>
+        <p14:creationId xmlns:p14="http://schemas.microsoft.com/office/powerpoint/2010/main" val="3104859473"/>
       </p:ext>
     </p:extLst>
   </p:cSld>
@@ -1905,7 +1905,7 @@
           <p:cNvPr id="2" name="标题 1">
             <a:extLst>
               <a:ext uri="{FF2B5EF4-FFF2-40B4-BE49-F238E27FC236}">
-                <a16:creationId xmlns:a16="http://schemas.microsoft.com/office/drawing/2014/main" id="{94E3D4FA-591E-29EA-B2A9-4DB8841285CE}"/>
+                <a16:creationId xmlns:a16="http://schemas.microsoft.com/office/drawing/2014/main" id="{5ED9168E-E976-6C4A-5149-D3547598ED8F}"/>
               </a:ext>
             </a:extLst>
           </p:cNvPr>
@@ -1933,7 +1933,7 @@
           <p:cNvPr id="3" name="日期占位符 2">
             <a:extLst>
               <a:ext uri="{FF2B5EF4-FFF2-40B4-BE49-F238E27FC236}">
-                <a16:creationId xmlns:a16="http://schemas.microsoft.com/office/drawing/2014/main" id="{919DC8C4-A304-71C5-5C71-601046F3EE1E}"/>
+                <a16:creationId xmlns:a16="http://schemas.microsoft.com/office/drawing/2014/main" id="{0C4A88D0-F994-D416-48EB-9D4C48113B50}"/>
               </a:ext>
             </a:extLst>
           </p:cNvPr>
@@ -1949,7 +1949,7 @@
           <a:bodyPr/>
           <a:lstStyle/>
           <a:p>
-            <a:fld id="{BD93932F-96FA-4CB9-82AF-343C25C9CF03}" type="datetimeFigureOut">
+            <a:fld id="{82DFDF67-8FDC-4417-A17E-C74C9D24A58E}" type="datetimeFigureOut">
               <a:rPr lang="zh-CN" altLang="en-US" smtClean="0"/>
               <a:t>2024/3/10</a:t>
             </a:fld>
@@ -1962,7 +1962,7 @@
           <p:cNvPr id="4" name="页脚占位符 3">
             <a:extLst>
               <a:ext uri="{FF2B5EF4-FFF2-40B4-BE49-F238E27FC236}">
-                <a16:creationId xmlns:a16="http://schemas.microsoft.com/office/drawing/2014/main" id="{B6181C1B-04B6-D376-34FA-9918C2A7F63E}"/>
+                <a16:creationId xmlns:a16="http://schemas.microsoft.com/office/drawing/2014/main" id="{E89F002E-1685-FCBA-7059-90E2B7745D50}"/>
               </a:ext>
             </a:extLst>
           </p:cNvPr>
@@ -1987,7 +1987,7 @@
           <p:cNvPr id="5" name="灯片编号占位符 4">
             <a:extLst>
               <a:ext uri="{FF2B5EF4-FFF2-40B4-BE49-F238E27FC236}">
-                <a16:creationId xmlns:a16="http://schemas.microsoft.com/office/drawing/2014/main" id="{5C68BE24-CB02-2695-FCB8-84CA4DA8D71D}"/>
+                <a16:creationId xmlns:a16="http://schemas.microsoft.com/office/drawing/2014/main" id="{36C954F9-3E3E-4741-7E28-EAFB7DF8CDA6}"/>
               </a:ext>
             </a:extLst>
           </p:cNvPr>
@@ -2003,7 +2003,7 @@
           <a:bodyPr/>
           <a:lstStyle/>
           <a:p>
-            <a:fld id="{DDF7034E-704A-4548-9E9F-4F3534E9135E}" type="slidenum">
+            <a:fld id="{16FCBF6A-BC73-468B-96DA-64FB6426C51F}" type="slidenum">
               <a:rPr lang="zh-CN" altLang="en-US" smtClean="0"/>
               <a:t>‹#›</a:t>
             </a:fld>
@@ -2014,7 +2014,7 @@
     </p:spTree>
     <p:extLst>
       <p:ext uri="{BB962C8B-B14F-4D97-AF65-F5344CB8AC3E}">
-        <p14:creationId xmlns:p14="http://schemas.microsoft.com/office/powerpoint/2010/main" val="3088164558"/>
+        <p14:creationId xmlns:p14="http://schemas.microsoft.com/office/powerpoint/2010/main" val="2528974711"/>
       </p:ext>
     </p:extLst>
   </p:cSld>
@@ -2046,7 +2046,7 @@
           <p:cNvPr id="2" name="日期占位符 1">
             <a:extLst>
               <a:ext uri="{FF2B5EF4-FFF2-40B4-BE49-F238E27FC236}">
-                <a16:creationId xmlns:a16="http://schemas.microsoft.com/office/drawing/2014/main" id="{4BBC1352-F838-F560-8055-70E0BCE6EF64}"/>
+                <a16:creationId xmlns:a16="http://schemas.microsoft.com/office/drawing/2014/main" id="{D270F51D-6BDF-B48D-487E-BCDE73ADA32F}"/>
               </a:ext>
             </a:extLst>
           </p:cNvPr>
@@ -2062,7 +2062,7 @@
           <a:bodyPr/>
           <a:lstStyle/>
           <a:p>
-            <a:fld id="{BD93932F-96FA-4CB9-82AF-343C25C9CF03}" type="datetimeFigureOut">
+            <a:fld id="{82DFDF67-8FDC-4417-A17E-C74C9D24A58E}" type="datetimeFigureOut">
               <a:rPr lang="zh-CN" altLang="en-US" smtClean="0"/>
               <a:t>2024/3/10</a:t>
             </a:fld>
@@ -2075,7 +2075,7 @@
           <p:cNvPr id="3" name="页脚占位符 2">
             <a:extLst>
               <a:ext uri="{FF2B5EF4-FFF2-40B4-BE49-F238E27FC236}">
-                <a16:creationId xmlns:a16="http://schemas.microsoft.com/office/drawing/2014/main" id="{1B564075-C8D4-ED5F-FB84-A6D1C882AE3D}"/>
+                <a16:creationId xmlns:a16="http://schemas.microsoft.com/office/drawing/2014/main" id="{A6E3B092-0000-33DB-F440-F10D53025EA2}"/>
               </a:ext>
             </a:extLst>
           </p:cNvPr>
@@ -2100,7 +2100,7 @@
           <p:cNvPr id="4" name="灯片编号占位符 3">
             <a:extLst>
               <a:ext uri="{FF2B5EF4-FFF2-40B4-BE49-F238E27FC236}">
-                <a16:creationId xmlns:a16="http://schemas.microsoft.com/office/drawing/2014/main" id="{F1DB851F-3769-B96B-646D-F9BBBDC1ECD0}"/>
+                <a16:creationId xmlns:a16="http://schemas.microsoft.com/office/drawing/2014/main" id="{21B0D497-4B08-9289-B39D-43498AA2A15A}"/>
               </a:ext>
             </a:extLst>
           </p:cNvPr>
@@ -2116,7 +2116,7 @@
           <a:bodyPr/>
           <a:lstStyle/>
           <a:p>
-            <a:fld id="{DDF7034E-704A-4548-9E9F-4F3534E9135E}" type="slidenum">
+            <a:fld id="{16FCBF6A-BC73-468B-96DA-64FB6426C51F}" type="slidenum">
               <a:rPr lang="zh-CN" altLang="en-US" smtClean="0"/>
               <a:t>‹#›</a:t>
             </a:fld>
@@ -2127,7 +2127,7 @@
     </p:spTree>
     <p:extLst>
       <p:ext uri="{BB962C8B-B14F-4D97-AF65-F5344CB8AC3E}">
-        <p14:creationId xmlns:p14="http://schemas.microsoft.com/office/powerpoint/2010/main" val="1660416781"/>
+        <p14:creationId xmlns:p14="http://schemas.microsoft.com/office/powerpoint/2010/main" val="1189759094"/>
       </p:ext>
     </p:extLst>
   </p:cSld>
@@ -2159,7 +2159,7 @@
           <p:cNvPr id="2" name="标题 1">
             <a:extLst>
               <a:ext uri="{FF2B5EF4-FFF2-40B4-BE49-F238E27FC236}">
-                <a16:creationId xmlns:a16="http://schemas.microsoft.com/office/drawing/2014/main" id="{AEFE879A-0CFA-0F65-0D63-D82CDD55D8AA}"/>
+                <a16:creationId xmlns:a16="http://schemas.microsoft.com/office/drawing/2014/main" id="{A3195A32-2159-B48B-20D7-38E092A7FBCB}"/>
               </a:ext>
             </a:extLst>
           </p:cNvPr>
@@ -2196,7 +2196,7 @@
           <p:cNvPr id="3" name="内容占位符 2">
             <a:extLst>
               <a:ext uri="{FF2B5EF4-FFF2-40B4-BE49-F238E27FC236}">
-                <a16:creationId xmlns:a16="http://schemas.microsoft.com/office/drawing/2014/main" id="{4081DB2C-8B60-6C10-4ED1-D3420CAE4BCD}"/>
+                <a16:creationId xmlns:a16="http://schemas.microsoft.com/office/drawing/2014/main" id="{BBF469FA-766A-848A-FF84-23B1EEA05B3D}"/>
               </a:ext>
             </a:extLst>
           </p:cNvPr>
@@ -2286,7 +2286,7 @@
           <p:cNvPr id="4" name="文本占位符 3">
             <a:extLst>
               <a:ext uri="{FF2B5EF4-FFF2-40B4-BE49-F238E27FC236}">
-                <a16:creationId xmlns:a16="http://schemas.microsoft.com/office/drawing/2014/main" id="{CC7ED03D-02F7-5348-6016-4ECE0D84EA8E}"/>
+                <a16:creationId xmlns:a16="http://schemas.microsoft.com/office/drawing/2014/main" id="{0D5F42FA-F044-0FB5-9726-7E945B78424F}"/>
               </a:ext>
             </a:extLst>
           </p:cNvPr>
@@ -2357,7 +2357,7 @@
           <p:cNvPr id="5" name="日期占位符 4">
             <a:extLst>
               <a:ext uri="{FF2B5EF4-FFF2-40B4-BE49-F238E27FC236}">
-                <a16:creationId xmlns:a16="http://schemas.microsoft.com/office/drawing/2014/main" id="{00106A6C-50F8-B917-8015-36A041A92550}"/>
+                <a16:creationId xmlns:a16="http://schemas.microsoft.com/office/drawing/2014/main" id="{BA70CCA0-E85F-5E0A-5AEE-A12EF303BE74}"/>
               </a:ext>
             </a:extLst>
           </p:cNvPr>
@@ -2373,7 +2373,7 @@
           <a:bodyPr/>
           <a:lstStyle/>
           <a:p>
-            <a:fld id="{BD93932F-96FA-4CB9-82AF-343C25C9CF03}" type="datetimeFigureOut">
+            <a:fld id="{82DFDF67-8FDC-4417-A17E-C74C9D24A58E}" type="datetimeFigureOut">
               <a:rPr lang="zh-CN" altLang="en-US" smtClean="0"/>
               <a:t>2024/3/10</a:t>
             </a:fld>
@@ -2386,7 +2386,7 @@
           <p:cNvPr id="6" name="页脚占位符 5">
             <a:extLst>
               <a:ext uri="{FF2B5EF4-FFF2-40B4-BE49-F238E27FC236}">
-                <a16:creationId xmlns:a16="http://schemas.microsoft.com/office/drawing/2014/main" id="{B3B53DF1-7A2C-4DEC-0C66-B4839B4C8502}"/>
+                <a16:creationId xmlns:a16="http://schemas.microsoft.com/office/drawing/2014/main" id="{E3846156-B600-E76C-B2CE-87B69BCC9E42}"/>
               </a:ext>
             </a:extLst>
           </p:cNvPr>
@@ -2411,7 +2411,7 @@
           <p:cNvPr id="7" name="灯片编号占位符 6">
             <a:extLst>
               <a:ext uri="{FF2B5EF4-FFF2-40B4-BE49-F238E27FC236}">
-                <a16:creationId xmlns:a16="http://schemas.microsoft.com/office/drawing/2014/main" id="{A79CF5C5-E8F5-8DF3-CB05-FEC41BEB91B2}"/>
+                <a16:creationId xmlns:a16="http://schemas.microsoft.com/office/drawing/2014/main" id="{484AA9A7-2002-B5D8-36AA-AE3E1F9F288E}"/>
               </a:ext>
             </a:extLst>
           </p:cNvPr>
@@ -2427,7 +2427,7 @@
           <a:bodyPr/>
           <a:lstStyle/>
           <a:p>
-            <a:fld id="{DDF7034E-704A-4548-9E9F-4F3534E9135E}" type="slidenum">
+            <a:fld id="{16FCBF6A-BC73-468B-96DA-64FB6426C51F}" type="slidenum">
               <a:rPr lang="zh-CN" altLang="en-US" smtClean="0"/>
               <a:t>‹#›</a:t>
             </a:fld>
@@ -2438,7 +2438,7 @@
     </p:spTree>
     <p:extLst>
       <p:ext uri="{BB962C8B-B14F-4D97-AF65-F5344CB8AC3E}">
-        <p14:creationId xmlns:p14="http://schemas.microsoft.com/office/powerpoint/2010/main" val="862490128"/>
+        <p14:creationId xmlns:p14="http://schemas.microsoft.com/office/powerpoint/2010/main" val="3615056803"/>
       </p:ext>
     </p:extLst>
   </p:cSld>
@@ -2470,7 +2470,7 @@
           <p:cNvPr id="2" name="标题 1">
             <a:extLst>
               <a:ext uri="{FF2B5EF4-FFF2-40B4-BE49-F238E27FC236}">
-                <a16:creationId xmlns:a16="http://schemas.microsoft.com/office/drawing/2014/main" id="{C73C81CE-0331-A372-9AE3-2055FBD74029}"/>
+                <a16:creationId xmlns:a16="http://schemas.microsoft.com/office/drawing/2014/main" id="{49B3B44A-0345-B358-06D4-3FF694DBED99}"/>
               </a:ext>
             </a:extLst>
           </p:cNvPr>
@@ -2507,7 +2507,7 @@
           <p:cNvPr id="3" name="图片占位符 2">
             <a:extLst>
               <a:ext uri="{FF2B5EF4-FFF2-40B4-BE49-F238E27FC236}">
-                <a16:creationId xmlns:a16="http://schemas.microsoft.com/office/drawing/2014/main" id="{BB1860D6-AD66-872B-A444-CC3FA5BB2A55}"/>
+                <a16:creationId xmlns:a16="http://schemas.microsoft.com/office/drawing/2014/main" id="{17A225B6-3405-6BD4-6684-37EF821F5E23}"/>
               </a:ext>
             </a:extLst>
           </p:cNvPr>
@@ -2574,7 +2574,7 @@
           <p:cNvPr id="4" name="文本占位符 3">
             <a:extLst>
               <a:ext uri="{FF2B5EF4-FFF2-40B4-BE49-F238E27FC236}">
-                <a16:creationId xmlns:a16="http://schemas.microsoft.com/office/drawing/2014/main" id="{D2B53E61-8D53-92CA-1699-F859BE29F06B}"/>
+                <a16:creationId xmlns:a16="http://schemas.microsoft.com/office/drawing/2014/main" id="{BA917173-02C9-2447-99F2-899CCF214B10}"/>
               </a:ext>
             </a:extLst>
           </p:cNvPr>
@@ -2645,7 +2645,7 @@
           <p:cNvPr id="5" name="日期占位符 4">
             <a:extLst>
               <a:ext uri="{FF2B5EF4-FFF2-40B4-BE49-F238E27FC236}">
-                <a16:creationId xmlns:a16="http://schemas.microsoft.com/office/drawing/2014/main" id="{DF6AC90B-36C8-2EDC-6C49-EC07F365ECA9}"/>
+                <a16:creationId xmlns:a16="http://schemas.microsoft.com/office/drawing/2014/main" id="{B329D7C1-7AF4-DF67-13E7-EE301BB7C300}"/>
               </a:ext>
             </a:extLst>
           </p:cNvPr>
@@ -2661,7 +2661,7 @@
           <a:bodyPr/>
           <a:lstStyle/>
           <a:p>
-            <a:fld id="{BD93932F-96FA-4CB9-82AF-343C25C9CF03}" type="datetimeFigureOut">
+            <a:fld id="{82DFDF67-8FDC-4417-A17E-C74C9D24A58E}" type="datetimeFigureOut">
               <a:rPr lang="zh-CN" altLang="en-US" smtClean="0"/>
               <a:t>2024/3/10</a:t>
             </a:fld>
@@ -2674,7 +2674,7 @@
           <p:cNvPr id="6" name="页脚占位符 5">
             <a:extLst>
               <a:ext uri="{FF2B5EF4-FFF2-40B4-BE49-F238E27FC236}">
-                <a16:creationId xmlns:a16="http://schemas.microsoft.com/office/drawing/2014/main" id="{F902FACC-7F06-3F9A-68F9-349F760C2BB1}"/>
+                <a16:creationId xmlns:a16="http://schemas.microsoft.com/office/drawing/2014/main" id="{DD59B3CB-A075-3A51-EC66-02E12A75D645}"/>
               </a:ext>
             </a:extLst>
           </p:cNvPr>
@@ -2699,7 +2699,7 @@
           <p:cNvPr id="7" name="灯片编号占位符 6">
             <a:extLst>
               <a:ext uri="{FF2B5EF4-FFF2-40B4-BE49-F238E27FC236}">
-                <a16:creationId xmlns:a16="http://schemas.microsoft.com/office/drawing/2014/main" id="{A17C7EC8-44BA-B38C-C3ED-6E44762C7923}"/>
+                <a16:creationId xmlns:a16="http://schemas.microsoft.com/office/drawing/2014/main" id="{D2FE242E-B8C1-126B-8ABE-B48F7B21DCA7}"/>
               </a:ext>
             </a:extLst>
           </p:cNvPr>
@@ -2715,7 +2715,7 @@
           <a:bodyPr/>
           <a:lstStyle/>
           <a:p>
-            <a:fld id="{DDF7034E-704A-4548-9E9F-4F3534E9135E}" type="slidenum">
+            <a:fld id="{16FCBF6A-BC73-468B-96DA-64FB6426C51F}" type="slidenum">
               <a:rPr lang="zh-CN" altLang="en-US" smtClean="0"/>
               <a:t>‹#›</a:t>
             </a:fld>
@@ -2726,7 +2726,7 @@
     </p:spTree>
     <p:extLst>
       <p:ext uri="{BB962C8B-B14F-4D97-AF65-F5344CB8AC3E}">
-        <p14:creationId xmlns:p14="http://schemas.microsoft.com/office/powerpoint/2010/main" val="100882383"/>
+        <p14:creationId xmlns:p14="http://schemas.microsoft.com/office/powerpoint/2010/main" val="858462789"/>
       </p:ext>
     </p:extLst>
   </p:cSld>
@@ -2763,7 +2763,7 @@
           <p:cNvPr id="2" name="标题占位符 1">
             <a:extLst>
               <a:ext uri="{FF2B5EF4-FFF2-40B4-BE49-F238E27FC236}">
-                <a16:creationId xmlns:a16="http://schemas.microsoft.com/office/drawing/2014/main" id="{630EBA0C-D625-76BD-6A49-9D10F073C6CA}"/>
+                <a16:creationId xmlns:a16="http://schemas.microsoft.com/office/drawing/2014/main" id="{2114B117-6138-FBB0-A064-99ED7B8E3E59}"/>
               </a:ext>
             </a:extLst>
           </p:cNvPr>
@@ -2801,7 +2801,7 @@
           <p:cNvPr id="3" name="文本占位符 2">
             <a:extLst>
               <a:ext uri="{FF2B5EF4-FFF2-40B4-BE49-F238E27FC236}">
-                <a16:creationId xmlns:a16="http://schemas.microsoft.com/office/drawing/2014/main" id="{4905C7B7-3DFE-B759-4BB4-5BB1AC2AE9E2}"/>
+                <a16:creationId xmlns:a16="http://schemas.microsoft.com/office/drawing/2014/main" id="{D5B266DC-75C7-FCF4-C3A1-C9AE72C8656E}"/>
               </a:ext>
             </a:extLst>
           </p:cNvPr>
@@ -2868,7 +2868,7 @@
           <p:cNvPr id="4" name="日期占位符 3">
             <a:extLst>
               <a:ext uri="{FF2B5EF4-FFF2-40B4-BE49-F238E27FC236}">
-                <a16:creationId xmlns:a16="http://schemas.microsoft.com/office/drawing/2014/main" id="{A0962EB8-CEDE-07BB-1566-D9CCEEA4F355}"/>
+                <a16:creationId xmlns:a16="http://schemas.microsoft.com/office/drawing/2014/main" id="{7EA3E70D-BC1C-7EDA-3FD9-6BAD3092AE7B}"/>
               </a:ext>
             </a:extLst>
           </p:cNvPr>
@@ -2902,7 +2902,7 @@
             </a:lvl1pPr>
           </a:lstStyle>
           <a:p>
-            <a:fld id="{BD93932F-96FA-4CB9-82AF-343C25C9CF03}" type="datetimeFigureOut">
+            <a:fld id="{82DFDF67-8FDC-4417-A17E-C74C9D24A58E}" type="datetimeFigureOut">
               <a:rPr lang="zh-CN" altLang="en-US" smtClean="0"/>
               <a:t>2024/3/10</a:t>
             </a:fld>
@@ -2915,7 +2915,7 @@
           <p:cNvPr id="5" name="页脚占位符 4">
             <a:extLst>
               <a:ext uri="{FF2B5EF4-FFF2-40B4-BE49-F238E27FC236}">
-                <a16:creationId xmlns:a16="http://schemas.microsoft.com/office/drawing/2014/main" id="{1BC41CA5-FCC0-DD73-4F2B-72DA0D4C51B6}"/>
+                <a16:creationId xmlns:a16="http://schemas.microsoft.com/office/drawing/2014/main" id="{843F051D-D553-AF27-66B6-8AD8C39E4294}"/>
               </a:ext>
             </a:extLst>
           </p:cNvPr>
@@ -2958,7 +2958,7 @@
           <p:cNvPr id="6" name="灯片编号占位符 5">
             <a:extLst>
               <a:ext uri="{FF2B5EF4-FFF2-40B4-BE49-F238E27FC236}">
-                <a16:creationId xmlns:a16="http://schemas.microsoft.com/office/drawing/2014/main" id="{504BFFC3-382E-44D5-C028-B00AAFA5F67D}"/>
+                <a16:creationId xmlns:a16="http://schemas.microsoft.com/office/drawing/2014/main" id="{1363F615-2BE8-0534-F8AC-EF19BB851388}"/>
               </a:ext>
             </a:extLst>
           </p:cNvPr>
@@ -2992,7 +2992,7 @@
             </a:lvl1pPr>
           </a:lstStyle>
           <a:p>
-            <a:fld id="{DDF7034E-704A-4548-9E9F-4F3534E9135E}" type="slidenum">
+            <a:fld id="{16FCBF6A-BC73-468B-96DA-64FB6426C51F}" type="slidenum">
               <a:rPr lang="zh-CN" altLang="en-US" smtClean="0"/>
               <a:t>‹#›</a:t>
             </a:fld>
@@ -3003,7 +3003,7 @@
     </p:spTree>
     <p:extLst>
       <p:ext uri="{BB962C8B-B14F-4D97-AF65-F5344CB8AC3E}">
-        <p14:creationId xmlns:p14="http://schemas.microsoft.com/office/powerpoint/2010/main" val="2197302656"/>
+        <p14:creationId xmlns:p14="http://schemas.microsoft.com/office/powerpoint/2010/main" val="858430728"/>
       </p:ext>
     </p:extLst>
   </p:cSld>
@@ -3323,7 +3323,7 @@
       </p:grpSpPr>
       <p:pic>
         <p:nvPicPr>
-          <p:cNvPr id="928770" name="Picture 2" descr="906"/>
+          <p:cNvPr id="929794" name="Picture 2" descr="907"/>
           <p:cNvPicPr>
             <a:picLocks noChangeAspect="1" noChangeArrowheads="1"/>
           </p:cNvPicPr>
@@ -3375,11 +3375,158 @@
           </a:extLst>
         </p:spPr>
       </p:pic>
+      <p:pic>
+        <p:nvPicPr>
+          <p:cNvPr id="930819" name="Picture 3" descr="907-2"/>
+          <p:cNvPicPr>
+            <a:picLocks noChangeAspect="1" noChangeArrowheads="1"/>
+          </p:cNvPicPr>
+          <p:nvPr/>
+        </p:nvPicPr>
+        <p:blipFill>
+          <a:blip r:embed="rId3">
+            <a:extLst>
+              <a:ext uri="{28A0092B-C50C-407E-A947-70E740481C1C}">
+                <a14:useLocalDpi xmlns:a14="http://schemas.microsoft.com/office/drawing/2010/main" val="0"/>
+              </a:ext>
+            </a:extLst>
+          </a:blip>
+          <a:srcRect/>
+          <a:stretch>
+            <a:fillRect/>
+          </a:stretch>
+        </p:blipFill>
+        <p:spPr bwMode="auto">
+          <a:xfrm>
+            <a:off x="1524000" y="1"/>
+            <a:ext cx="9144000" cy="6856413"/>
+          </a:xfrm>
+          <a:prstGeom prst="rect">
+            <a:avLst/>
+          </a:prstGeom>
+          <a:noFill/>
+          <a:ln>
+            <a:noFill/>
+          </a:ln>
+          <a:effectLst/>
+          <a:extLst>
+            <a:ext uri="{909E8E84-426E-40DD-AFC4-6F175D3DCCD1}">
+              <a14:hiddenFill xmlns:a14="http://schemas.microsoft.com/office/drawing/2010/main">
+                <a:solidFill>
+                  <a:srgbClr val="FFFFFF"/>
+                </a:solidFill>
+              </a14:hiddenFill>
+            </a:ext>
+            <a:ext uri="{91240B29-F687-4F45-9708-019B960494DF}">
+              <a14:hiddenLine xmlns:a14="http://schemas.microsoft.com/office/drawing/2010/main" w="9525">
+                <a:solidFill>
+                  <a:srgbClr val="000000"/>
+                </a:solidFill>
+                <a:miter lim="800000"/>
+                <a:headEnd/>
+                <a:tailEnd/>
+              </a14:hiddenLine>
+            </a:ext>
+            <a:ext uri="{AF507438-7753-43E0-B8FC-AC1667EBCBE1}">
+              <a14:hiddenEffects xmlns:a14="http://schemas.microsoft.com/office/drawing/2010/main">
+                <a:effectLst>
+                  <a:outerShdw dist="35921" dir="2700000" algn="ctr" rotWithShape="0">
+                    <a:srgbClr val="808080"/>
+                  </a:outerShdw>
+                </a:effectLst>
+              </a14:hiddenEffects>
+            </a:ext>
+          </a:extLst>
+        </p:spPr>
+      </p:pic>
     </p:spTree>
   </p:cSld>
   <p:clrMapOvr>
     <a:masterClrMapping/>
   </p:clrMapOvr>
+  <p:timing>
+    <p:tnLst>
+      <p:par>
+        <p:cTn id="1" dur="indefinite" restart="never" nodeType="tmRoot">
+          <p:childTnLst>
+            <p:seq concurrent="1" nextAc="seek">
+              <p:cTn id="2" dur="indefinite" nodeType="mainSeq">
+                <p:childTnLst>
+                  <p:par>
+                    <p:cTn id="3" fill="hold" nodeType="clickPar">
+                      <p:stCondLst>
+                        <p:cond delay="indefinite"/>
+                      </p:stCondLst>
+                      <p:childTnLst>
+                        <p:par>
+                          <p:cTn id="4" fill="hold" nodeType="withGroup">
+                            <p:stCondLst>
+                              <p:cond delay="0"/>
+                            </p:stCondLst>
+                            <p:childTnLst>
+                              <p:par>
+                                <p:cTn id="5" presetID="10" presetClass="entr" presetSubtype="0" fill="hold" nodeType="clickEffect">
+                                  <p:stCondLst>
+                                    <p:cond delay="0"/>
+                                  </p:stCondLst>
+                                  <p:childTnLst>
+                                    <p:set>
+                                      <p:cBhvr>
+                                        <p:cTn id="6" dur="1" fill="hold">
+                                          <p:stCondLst>
+                                            <p:cond delay="0"/>
+                                          </p:stCondLst>
+                                        </p:cTn>
+                                        <p:tgtEl>
+                                          <p:spTgt spid="930819"/>
+                                        </p:tgtEl>
+                                        <p:attrNameLst>
+                                          <p:attrName>style.visibility</p:attrName>
+                                        </p:attrNameLst>
+                                      </p:cBhvr>
+                                      <p:to>
+                                        <p:strVal val="visible"/>
+                                      </p:to>
+                                    </p:set>
+                                    <p:animEffect transition="in" filter="fade">
+                                      <p:cBhvr>
+                                        <p:cTn id="7" dur="500"/>
+                                        <p:tgtEl>
+                                          <p:spTgt spid="930819"/>
+                                        </p:tgtEl>
+                                      </p:cBhvr>
+                                    </p:animEffect>
+                                  </p:childTnLst>
+                                </p:cTn>
+                              </p:par>
+                            </p:childTnLst>
+                          </p:cTn>
+                        </p:par>
+                      </p:childTnLst>
+                    </p:cTn>
+                  </p:par>
+                </p:childTnLst>
+              </p:cTn>
+              <p:prevCondLst>
+                <p:cond evt="onPrev" delay="0">
+                  <p:tgtEl>
+                    <p:sldTgt/>
+                  </p:tgtEl>
+                </p:cond>
+              </p:prevCondLst>
+              <p:nextCondLst>
+                <p:cond evt="onNext" delay="0">
+                  <p:tgtEl>
+                    <p:sldTgt/>
+                  </p:tgtEl>
+                </p:cond>
+              </p:nextCondLst>
+            </p:seq>
+          </p:childTnLst>
+        </p:cTn>
+      </p:par>
+    </p:tnLst>
+  </p:timing>
 </p:sld>
 </file>
 
